--- a/Transformer_BERT.pptx
+++ b/Transformer_BERT.pptx
@@ -30328,7 +30328,15 @@
           <a:p>
             <a:r>
               <a:rPr lang="en-US" altLang="zh-CN" sz="3600" dirty="0"/>
-              <a:t>Other work like GPT 1.0: unidirectional</a:t>
+              <a:t>Other work like </a:t>
+            </a:r>
+            <a:r>
+              <a:rPr lang="en-US" altLang="zh-CN" sz="3600" dirty="0" err="1"/>
+              <a:t>ELMo</a:t>
+            </a:r>
+            <a:r>
+              <a:rPr lang="en-US" altLang="zh-CN" sz="3600" dirty="0"/>
+              <a:t>, GPT-1: unidirectional</a:t>
             </a:r>
           </a:p>
           <a:p>
